--- a/Slides/BasicProgramming and Intro to R (KCL).pptx
+++ b/Slides/BasicProgramming and Intro to R (KCL).pptx
@@ -2108,7 +2108,7 @@
             <a:fld id="{87DE6118-2437-4B30-8E3C-4D2BE6020583}" type="datetimeFigureOut">
               <a:rPr lang="en-US" smtClean="0"/>
               <a:pPr/>
-              <a:t>9/15/21</a:t>
+              <a:t>9/27/21</a:t>
             </a:fld>
             <a:endParaRPr lang="en-US" dirty="0"/>
           </a:p>
@@ -18506,10 +18506,16 @@
               </a:lnSpc>
             </a:pPr>
             <a:r>
-              <a:rPr lang="en-GB" dirty="0">
-                <a:hlinkClick r:id="rId2"/>
-              </a:rPr>
-              <a:t>Install R and R studio!</a:t>
+              <a:rPr lang="en-GB" dirty="0"/>
+              <a:t>Register to </a:t>
+            </a:r>
+            <a:r>
+              <a:rPr lang="en-GB" dirty="0" err="1"/>
+              <a:t>Rstudio</a:t>
+            </a:r>
+            <a:r>
+              <a:rPr lang="en-GB"/>
+              <a:t> Cloud</a:t>
             </a:r>
             <a:endParaRPr lang="en-GB" dirty="0"/>
           </a:p>
